--- a/2023-03-20/problem.pptx
+++ b/2023-03-20/problem.pptx
@@ -5983,7 +5983,17 @@
           <a:p>
             <a:r>
               <a:rPr lang="en-US" dirty="0"/>
-              <a:t>Compute 24 using all four numbers with addition, subtraction, multiplication and division.  Numbers can be moved around.</a:t>
+              <a:t>Play the </a:t>
+            </a:r>
+            <a:r>
+              <a:rPr lang="en-US" dirty="0">
+                <a:hlinkClick r:id="rId2"/>
+              </a:rPr>
+              <a:t>24 game</a:t>
+            </a:r>
+            <a:r>
+              <a:rPr lang="en-US" dirty="0"/>
+              <a:t> using the following numbers</a:t>
             </a:r>
           </a:p>
         </p:txBody>

--- a/2023-03-20/problem.pptx
+++ b/2023-03-20/problem.pptx
@@ -6053,47 +6053,6 @@
           </a:p>
         </p:txBody>
       </p:sp>
-      <p:sp>
-        <p:nvSpPr>
-          <p:cNvPr id="4" name="TextBox 3">
-            <a:extLst>
-              <a:ext uri="{FF2B5EF4-FFF2-40B4-BE49-F238E27FC236}">
-                <a16:creationId xmlns:a16="http://schemas.microsoft.com/office/drawing/2014/main" id="{447AACD9-820B-73AB-EF45-15F3A4DC4D68}"/>
-              </a:ext>
-            </a:extLst>
-          </p:cNvPr>
-          <p:cNvSpPr txBox="1"/>
-          <p:nvPr/>
-        </p:nvSpPr>
-        <p:spPr>
-          <a:xfrm>
-            <a:off x="5684808" y="3338423"/>
-            <a:ext cx="5155707" cy="646331"/>
-          </a:xfrm>
-          <a:prstGeom prst="rect">
-            <a:avLst/>
-          </a:prstGeom>
-          <a:noFill/>
-        </p:spPr>
-        <p:txBody>
-          <a:bodyPr wrap="none" rtlCol="0">
-            <a:spAutoFit/>
-          </a:bodyPr>
-          <a:lstStyle/>
-          <a:p>
-            <a:r>
-              <a:rPr lang="en-US" dirty="0"/>
-              <a:t>Hint:</a:t>
-            </a:r>
-          </a:p>
-          <a:p>
-            <a:r>
-              <a:rPr lang="en-US" dirty="0"/>
-              <a:t>None of them can be solved with 2 x 12, 3 x 8, or 4 x 6</a:t>
-            </a:r>
-          </a:p>
-        </p:txBody>
-      </p:sp>
     </p:spTree>
     <p:extLst>
       <p:ext uri="{BB962C8B-B14F-4D97-AF65-F5344CB8AC3E}">
